--- a/Aula 3/Aula 3.pptx
+++ b/Aula 3/Aula 3.pptx
@@ -16,20 +16,20 @@
     <p:sldId id="269" r:id="rId7"/>
     <p:sldId id="270" r:id="rId8"/>
     <p:sldId id="271" r:id="rId9"/>
-    <p:sldId id="272" r:id="rId10"/>
-    <p:sldId id="273" r:id="rId11"/>
-    <p:sldId id="274" r:id="rId12"/>
-    <p:sldId id="275" r:id="rId13"/>
-    <p:sldId id="276" r:id="rId14"/>
-    <p:sldId id="277" r:id="rId15"/>
-    <p:sldId id="278" r:id="rId16"/>
-    <p:sldId id="279" r:id="rId17"/>
-    <p:sldId id="280" r:id="rId18"/>
-    <p:sldId id="282" r:id="rId19"/>
-    <p:sldId id="281" r:id="rId20"/>
-    <p:sldId id="283" r:id="rId21"/>
+    <p:sldId id="285" r:id="rId10"/>
+    <p:sldId id="272" r:id="rId11"/>
+    <p:sldId id="273" r:id="rId12"/>
+    <p:sldId id="274" r:id="rId13"/>
+    <p:sldId id="275" r:id="rId14"/>
+    <p:sldId id="276" r:id="rId15"/>
+    <p:sldId id="277" r:id="rId16"/>
+    <p:sldId id="278" r:id="rId17"/>
+    <p:sldId id="279" r:id="rId18"/>
+    <p:sldId id="280" r:id="rId19"/>
+    <p:sldId id="282" r:id="rId20"/>
+    <p:sldId id="281" r:id="rId21"/>
     <p:sldId id="284" r:id="rId22"/>
-    <p:sldId id="285" r:id="rId23"/>
+    <p:sldId id="286" r:id="rId23"/>
   </p:sldIdLst>
   <p:sldSz cx="12188825" cy="6858000"/>
   <p:notesSz cx="6858000" cy="9144000"/>
@@ -5281,6 +5281,105 @@
   <p:cSld>
     <p:spTree>
       <p:nvGrpSpPr>
+        <p:cNvPr id="1" name=""/>
+        <p:cNvGrpSpPr/>
+        <p:nvPr/>
+      </p:nvGrpSpPr>
+      <p:grpSpPr>
+        <a:xfrm>
+          <a:off x="0" y="0"/>
+          <a:ext cx="0" cy="0"/>
+          <a:chOff x="0" y="0"/>
+          <a:chExt cx="0" cy="0"/>
+        </a:xfrm>
+      </p:grpSpPr>
+      <p:sp>
+        <p:nvSpPr>
+          <p:cNvPr id="2" name="Título 1">
+            <a:extLst>
+              <a:ext uri="{FF2B5EF4-FFF2-40B4-BE49-F238E27FC236}">
+                <a16:creationId xmlns:a16="http://schemas.microsoft.com/office/drawing/2014/main" id="{DC13B6E4-3856-28B7-40ED-D8BDDDD847C9}"/>
+              </a:ext>
+            </a:extLst>
+          </p:cNvPr>
+          <p:cNvSpPr>
+            <a:spLocks noGrp="1"/>
+          </p:cNvSpPr>
+          <p:nvPr>
+            <p:ph type="title"/>
+          </p:nvPr>
+        </p:nvSpPr>
+        <p:spPr/>
+        <p:txBody>
+          <a:bodyPr/>
+          <a:lstStyle/>
+          <a:p>
+            <a:endParaRPr lang="pt-BR"/>
+          </a:p>
+        </p:txBody>
+      </p:sp>
+      <p:pic>
+        <p:nvPicPr>
+          <p:cNvPr id="5" name="Espaço Reservado para Conteúdo 4">
+            <a:extLst>
+              <a:ext uri="{FF2B5EF4-FFF2-40B4-BE49-F238E27FC236}">
+                <a16:creationId xmlns:a16="http://schemas.microsoft.com/office/drawing/2014/main" id="{6BC52AFE-B47B-CE5A-0270-BCFC1BD5D36C}"/>
+              </a:ext>
+            </a:extLst>
+          </p:cNvPr>
+          <p:cNvPicPr>
+            <a:picLocks noGrp="1" noChangeAspect="1"/>
+          </p:cNvPicPr>
+          <p:nvPr>
+            <p:ph idx="1"/>
+          </p:nvPr>
+        </p:nvPicPr>
+        <p:blipFill>
+          <a:blip r:embed="rId2"/>
+          <a:stretch>
+            <a:fillRect/>
+          </a:stretch>
+        </p:blipFill>
+        <p:spPr>
+          <a:xfrm>
+            <a:off x="0" y="-57394"/>
+            <a:ext cx="12188825" cy="6915394"/>
+          </a:xfrm>
+          <a:prstGeom prst="rect">
+            <a:avLst/>
+          </a:prstGeom>
+        </p:spPr>
+      </p:pic>
+    </p:spTree>
+    <p:extLst>
+      <p:ext uri="{BB962C8B-B14F-4D97-AF65-F5344CB8AC3E}">
+        <p14:creationId xmlns:p14="http://schemas.microsoft.com/office/powerpoint/2010/main" val="3356035828"/>
+      </p:ext>
+    </p:extLst>
+  </p:cSld>
+  <p:clrMapOvr>
+    <a:masterClrMapping/>
+  </p:clrMapOvr>
+  <mc:AlternateContent xmlns:mc="http://schemas.openxmlformats.org/markup-compatibility/2006" xmlns:p14="http://schemas.microsoft.com/office/powerpoint/2010/main">
+    <mc:Choice Requires="p14">
+      <p:transition spd="med" p14:dur="700">
+        <p:fade/>
+      </p:transition>
+    </mc:Choice>
+    <mc:Fallback xmlns="">
+      <p:transition spd="med">
+        <p:fade/>
+      </p:transition>
+    </mc:Fallback>
+  </mc:AlternateContent>
+</p:sld>
+</file>
+
+<file path=ppt/slides/slide11.xml><?xml version="1.0" encoding="utf-8"?>
+<p:sld xmlns:a="http://schemas.openxmlformats.org/drawingml/2006/main" xmlns:r="http://schemas.openxmlformats.org/officeDocument/2006/relationships" xmlns:p="http://schemas.openxmlformats.org/presentationml/2006/main">
+  <p:cSld>
+    <p:spTree>
+      <p:nvGrpSpPr>
         <p:cNvPr id="1" name="">
           <a:extLst>
             <a:ext uri="{FF2B5EF4-FFF2-40B4-BE49-F238E27FC236}">
@@ -5441,7 +5540,7 @@
 </p:sld>
 </file>
 
-<file path=ppt/slides/slide11.xml><?xml version="1.0" encoding="utf-8"?>
+<file path=ppt/slides/slide12.xml><?xml version="1.0" encoding="utf-8"?>
 <p:sld xmlns:a="http://schemas.openxmlformats.org/drawingml/2006/main" xmlns:r="http://schemas.openxmlformats.org/officeDocument/2006/relationships" xmlns:p="http://schemas.openxmlformats.org/presentationml/2006/main">
   <p:cSld>
     <p:spTree>
@@ -5636,7 +5735,7 @@
 </p:sld>
 </file>
 
-<file path=ppt/slides/slide12.xml><?xml version="1.0" encoding="utf-8"?>
+<file path=ppt/slides/slide13.xml><?xml version="1.0" encoding="utf-8"?>
 <p:sld xmlns:a="http://schemas.openxmlformats.org/drawingml/2006/main" xmlns:r="http://schemas.openxmlformats.org/officeDocument/2006/relationships" xmlns:p="http://schemas.openxmlformats.org/presentationml/2006/main">
   <p:cSld>
     <p:spTree>
@@ -5761,162 +5860,6 @@
     <p:extLst>
       <p:ext uri="{BB962C8B-B14F-4D97-AF65-F5344CB8AC3E}">
         <p14:creationId xmlns:p14="http://schemas.microsoft.com/office/powerpoint/2010/main" val="3743327861"/>
-      </p:ext>
-    </p:extLst>
-  </p:cSld>
-  <p:clrMapOvr>
-    <a:masterClrMapping/>
-  </p:clrMapOvr>
-  <mc:AlternateContent xmlns:mc="http://schemas.openxmlformats.org/markup-compatibility/2006" xmlns:p14="http://schemas.microsoft.com/office/powerpoint/2010/main">
-    <mc:Choice Requires="p14">
-      <p:transition spd="med" p14:dur="700">
-        <p:fade/>
-      </p:transition>
-    </mc:Choice>
-    <mc:Fallback xmlns="">
-      <p:transition spd="med">
-        <p:fade/>
-      </p:transition>
-    </mc:Fallback>
-  </mc:AlternateContent>
-</p:sld>
-</file>
-
-<file path=ppt/slides/slide13.xml><?xml version="1.0" encoding="utf-8"?>
-<p:sld xmlns:a="http://schemas.openxmlformats.org/drawingml/2006/main" xmlns:r="http://schemas.openxmlformats.org/officeDocument/2006/relationships" xmlns:p="http://schemas.openxmlformats.org/presentationml/2006/main">
-  <p:cSld>
-    <p:spTree>
-      <p:nvGrpSpPr>
-        <p:cNvPr id="1" name="">
-          <a:extLst>
-            <a:ext uri="{FF2B5EF4-FFF2-40B4-BE49-F238E27FC236}">
-              <a16:creationId xmlns:a16="http://schemas.microsoft.com/office/drawing/2014/main" id="{3A3101A6-730B-9E22-FF36-13D54285C358}"/>
-            </a:ext>
-          </a:extLst>
-        </p:cNvPr>
-        <p:cNvGrpSpPr/>
-        <p:nvPr/>
-      </p:nvGrpSpPr>
-      <p:grpSpPr>
-        <a:xfrm>
-          <a:off x="0" y="0"/>
-          <a:ext cx="0" cy="0"/>
-          <a:chOff x="0" y="0"/>
-          <a:chExt cx="0" cy="0"/>
-        </a:xfrm>
-      </p:grpSpPr>
-      <p:sp>
-        <p:nvSpPr>
-          <p:cNvPr id="13" name="Título 12">
-            <a:extLst>
-              <a:ext uri="{FF2B5EF4-FFF2-40B4-BE49-F238E27FC236}">
-                <a16:creationId xmlns:a16="http://schemas.microsoft.com/office/drawing/2014/main" id="{FEC4D394-8BCA-C9D2-BB2F-D77DCE8ECBA6}"/>
-              </a:ext>
-            </a:extLst>
-          </p:cNvPr>
-          <p:cNvSpPr>
-            <a:spLocks noGrp="1"/>
-          </p:cNvSpPr>
-          <p:nvPr>
-            <p:ph type="title"/>
-          </p:nvPr>
-        </p:nvSpPr>
-        <p:spPr/>
-        <p:txBody>
-          <a:bodyPr rtlCol="0"/>
-          <a:lstStyle/>
-          <a:p>
-            <a:pPr rtl="0"/>
-            <a:r>
-              <a:rPr lang="pt-BR" noProof="0" dirty="0"/>
-              <a:t>Renomeando uma Pasta</a:t>
-            </a:r>
-          </a:p>
-        </p:txBody>
-      </p:sp>
-      <p:sp>
-        <p:nvSpPr>
-          <p:cNvPr id="14" name="Espaço Reservado para Conteúdo 13">
-            <a:extLst>
-              <a:ext uri="{FF2B5EF4-FFF2-40B4-BE49-F238E27FC236}">
-                <a16:creationId xmlns:a16="http://schemas.microsoft.com/office/drawing/2014/main" id="{E926E6C3-8EB5-1C02-2440-DF4A45D015C6}"/>
-              </a:ext>
-            </a:extLst>
-          </p:cNvPr>
-          <p:cNvSpPr>
-            <a:spLocks noGrp="1"/>
-          </p:cNvSpPr>
-          <p:nvPr>
-            <p:ph idx="1"/>
-          </p:nvPr>
-        </p:nvSpPr>
-        <p:spPr/>
-        <p:txBody>
-          <a:bodyPr rtlCol="0"/>
-          <a:lstStyle/>
-          <a:p>
-            <a:r>
-              <a:rPr lang="pt-BR" noProof="0" dirty="0"/>
-              <a:t>Para mudar o nome de uma pasta basta clicar com o botão </a:t>
-            </a:r>
-            <a:r>
-              <a:rPr lang="pt-BR" noProof="0" dirty="0">
-                <a:solidFill>
-                  <a:schemeClr val="accent1">
-                    <a:lumMod val="60000"/>
-                    <a:lumOff val="40000"/>
-                  </a:schemeClr>
-                </a:solidFill>
-              </a:rPr>
-              <a:t>direito</a:t>
-            </a:r>
-            <a:r>
-              <a:rPr lang="pt-BR" noProof="0" dirty="0"/>
-              <a:t> e ir em </a:t>
-            </a:r>
-            <a:r>
-              <a:rPr lang="pt-BR" noProof="0" dirty="0">
-                <a:solidFill>
-                  <a:schemeClr val="accent1">
-                    <a:lumMod val="60000"/>
-                    <a:lumOff val="40000"/>
-                  </a:schemeClr>
-                </a:solidFill>
-              </a:rPr>
-              <a:t>renomear</a:t>
-            </a:r>
-          </a:p>
-          <a:p>
-            <a:r>
-              <a:rPr lang="pt-BR" dirty="0"/>
-              <a:t>Caso queira utilizar um atalho, basta utilizar o </a:t>
-            </a:r>
-            <a:r>
-              <a:rPr lang="pt-BR" dirty="0">
-                <a:solidFill>
-                  <a:schemeClr val="accent1">
-                    <a:lumMod val="60000"/>
-                    <a:lumOff val="40000"/>
-                  </a:schemeClr>
-                </a:solidFill>
-              </a:rPr>
-              <a:t>F2</a:t>
-            </a:r>
-            <a:endParaRPr lang="pt-BR" noProof="0" dirty="0">
-              <a:solidFill>
-                <a:schemeClr val="accent1">
-                  <a:lumMod val="60000"/>
-                  <a:lumOff val="40000"/>
-                </a:schemeClr>
-              </a:solidFill>
-            </a:endParaRPr>
-          </a:p>
-        </p:txBody>
-      </p:sp>
-    </p:spTree>
-    <p:extLst>
-      <p:ext uri="{BB962C8B-B14F-4D97-AF65-F5344CB8AC3E}">
-        <p14:creationId xmlns:p14="http://schemas.microsoft.com/office/powerpoint/2010/main" val="2762258727"/>
       </p:ext>
     </p:extLst>
   </p:cSld>
@@ -5946,7 +5889,7 @@
         <p:cNvPr id="1" name="">
           <a:extLst>
             <a:ext uri="{FF2B5EF4-FFF2-40B4-BE49-F238E27FC236}">
-              <a16:creationId xmlns:a16="http://schemas.microsoft.com/office/drawing/2014/main" id="{2DDBAE80-7A1E-618E-97A1-57AB310E2D0A}"/>
+              <a16:creationId xmlns:a16="http://schemas.microsoft.com/office/drawing/2014/main" id="{3A3101A6-730B-9E22-FF36-13D54285C358}"/>
             </a:ext>
           </a:extLst>
         </p:cNvPr>
@@ -5966,7 +5909,7 @@
           <p:cNvPr id="13" name="Título 12">
             <a:extLst>
               <a:ext uri="{FF2B5EF4-FFF2-40B4-BE49-F238E27FC236}">
-                <a16:creationId xmlns:a16="http://schemas.microsoft.com/office/drawing/2014/main" id="{76FD6EDB-90B6-2486-5528-256DE51BFD1A}"/>
+                <a16:creationId xmlns:a16="http://schemas.microsoft.com/office/drawing/2014/main" id="{FEC4D394-8BCA-C9D2-BB2F-D77DCE8ECBA6}"/>
               </a:ext>
             </a:extLst>
           </p:cNvPr>
@@ -5985,7 +5928,7 @@
             <a:pPr rtl="0"/>
             <a:r>
               <a:rPr lang="pt-BR" noProof="0" dirty="0"/>
-              <a:t>Deletando uma Pasta</a:t>
+              <a:t>Renomeando uma Pasta</a:t>
             </a:r>
           </a:p>
         </p:txBody>
@@ -5995,7 +5938,7 @@
           <p:cNvPr id="14" name="Espaço Reservado para Conteúdo 13">
             <a:extLst>
               <a:ext uri="{FF2B5EF4-FFF2-40B4-BE49-F238E27FC236}">
-                <a16:creationId xmlns:a16="http://schemas.microsoft.com/office/drawing/2014/main" id="{5835BE06-831B-77C2-0A0D-D257C18089F5}"/>
+                <a16:creationId xmlns:a16="http://schemas.microsoft.com/office/drawing/2014/main" id="{E926E6C3-8EB5-1C02-2440-DF4A45D015C6}"/>
               </a:ext>
             </a:extLst>
           </p:cNvPr>
@@ -6012,8 +5955,40 @@
           <a:lstStyle/>
           <a:p>
             <a:r>
+              <a:rPr lang="pt-BR" noProof="0" dirty="0"/>
+              <a:t>Para mudar o nome de uma pasta basta clicar com o botão </a:t>
+            </a:r>
+            <a:r>
+              <a:rPr lang="pt-BR" noProof="0" dirty="0">
+                <a:solidFill>
+                  <a:schemeClr val="accent1">
+                    <a:lumMod val="60000"/>
+                    <a:lumOff val="40000"/>
+                  </a:schemeClr>
+                </a:solidFill>
+              </a:rPr>
+              <a:t>direito</a:t>
+            </a:r>
+            <a:r>
+              <a:rPr lang="pt-BR" noProof="0" dirty="0"/>
+              <a:t> e ir em </a:t>
+            </a:r>
+            <a:r>
+              <a:rPr lang="pt-BR" noProof="0" dirty="0">
+                <a:solidFill>
+                  <a:schemeClr val="accent1">
+                    <a:lumMod val="60000"/>
+                    <a:lumOff val="40000"/>
+                  </a:schemeClr>
+                </a:solidFill>
+              </a:rPr>
+              <a:t>renomear</a:t>
+            </a:r>
+          </a:p>
+          <a:p>
+            <a:r>
               <a:rPr lang="pt-BR" dirty="0"/>
-              <a:t>O caminho é parecido com o de renomear, porém iremos clicar em </a:t>
+              <a:t>Caso queira utilizar um atalho, basta utilizar o </a:t>
             </a:r>
             <a:r>
               <a:rPr lang="pt-BR" dirty="0">
@@ -6024,32 +5999,23 @@
                   </a:schemeClr>
                 </a:solidFill>
               </a:rPr>
-              <a:t>excluir</a:t>
-            </a:r>
-          </a:p>
-          <a:p>
-            <a:r>
-              <a:rPr lang="pt-BR" noProof="0" dirty="0"/>
-              <a:t>Podemos deletar através do atalho </a:t>
-            </a:r>
-            <a:r>
-              <a:rPr lang="pt-BR" noProof="0" dirty="0">
-                <a:solidFill>
-                  <a:schemeClr val="accent1">
-                    <a:lumMod val="60000"/>
-                    <a:lumOff val="40000"/>
-                  </a:schemeClr>
-                </a:solidFill>
-              </a:rPr>
-              <a:t>delete</a:t>
-            </a:r>
+              <a:t>F2</a:t>
+            </a:r>
+            <a:endParaRPr lang="pt-BR" noProof="0" dirty="0">
+              <a:solidFill>
+                <a:schemeClr val="accent1">
+                  <a:lumMod val="60000"/>
+                  <a:lumOff val="40000"/>
+                </a:schemeClr>
+              </a:solidFill>
+            </a:endParaRPr>
           </a:p>
         </p:txBody>
       </p:sp>
     </p:spTree>
     <p:extLst>
       <p:ext uri="{BB962C8B-B14F-4D97-AF65-F5344CB8AC3E}">
-        <p14:creationId xmlns:p14="http://schemas.microsoft.com/office/powerpoint/2010/main" val="1781595577"/>
+        <p14:creationId xmlns:p14="http://schemas.microsoft.com/office/powerpoint/2010/main" val="2762258727"/>
       </p:ext>
     </p:extLst>
   </p:cSld>
@@ -6079,7 +6045,7 @@
         <p:cNvPr id="1" name="">
           <a:extLst>
             <a:ext uri="{FF2B5EF4-FFF2-40B4-BE49-F238E27FC236}">
-              <a16:creationId xmlns:a16="http://schemas.microsoft.com/office/drawing/2014/main" id="{6FA5D797-1A3A-41B6-EF5D-BF93A4B62CC2}"/>
+              <a16:creationId xmlns:a16="http://schemas.microsoft.com/office/drawing/2014/main" id="{2DDBAE80-7A1E-618E-97A1-57AB310E2D0A}"/>
             </a:ext>
           </a:extLst>
         </p:cNvPr>
@@ -6099,7 +6065,7 @@
           <p:cNvPr id="13" name="Título 12">
             <a:extLst>
               <a:ext uri="{FF2B5EF4-FFF2-40B4-BE49-F238E27FC236}">
-                <a16:creationId xmlns:a16="http://schemas.microsoft.com/office/drawing/2014/main" id="{AD0086E0-ABE3-F924-D219-587EE997F543}"/>
+                <a16:creationId xmlns:a16="http://schemas.microsoft.com/office/drawing/2014/main" id="{76FD6EDB-90B6-2486-5528-256DE51BFD1A}"/>
               </a:ext>
             </a:extLst>
           </p:cNvPr>
@@ -6118,7 +6084,7 @@
             <a:pPr rtl="0"/>
             <a:r>
               <a:rPr lang="pt-BR" noProof="0" dirty="0"/>
-              <a:t>Lixeira</a:t>
+              <a:t>Deletando uma Pasta</a:t>
             </a:r>
           </a:p>
         </p:txBody>
@@ -6128,7 +6094,7 @@
           <p:cNvPr id="14" name="Espaço Reservado para Conteúdo 13">
             <a:extLst>
               <a:ext uri="{FF2B5EF4-FFF2-40B4-BE49-F238E27FC236}">
-                <a16:creationId xmlns:a16="http://schemas.microsoft.com/office/drawing/2014/main" id="{EDDE4A0F-CB5D-7ED9-86A4-69DE94BB8C89}"/>
+                <a16:creationId xmlns:a16="http://schemas.microsoft.com/office/drawing/2014/main" id="{5835BE06-831B-77C2-0A0D-D257C18089F5}"/>
               </a:ext>
             </a:extLst>
           </p:cNvPr>
@@ -6146,26 +6112,43 @@
           <a:p>
             <a:r>
               <a:rPr lang="pt-BR" dirty="0"/>
-              <a:t>Serve para armazenar arquivos que foram excluídos do sistema, como por exemplo a pasta que acabamos de excluir</a:t>
+              <a:t>O caminho é parecido com o de renomear, porém iremos clicar em </a:t>
+            </a:r>
+            <a:r>
+              <a:rPr lang="pt-BR" dirty="0">
+                <a:solidFill>
+                  <a:schemeClr val="accent1">
+                    <a:lumMod val="60000"/>
+                    <a:lumOff val="40000"/>
+                  </a:schemeClr>
+                </a:solidFill>
+              </a:rPr>
+              <a:t>excluir</a:t>
             </a:r>
           </a:p>
           <a:p>
             <a:r>
               <a:rPr lang="pt-BR" noProof="0" dirty="0"/>
-              <a:t>Podemos realizar a deleção total ou então restaurar o arquivo para </a:t>
-            </a:r>
-            <a:r>
-              <a:rPr lang="pt-BR" dirty="0"/>
-              <a:t>a sua origem</a:t>
-            </a:r>
-            <a:endParaRPr lang="pt-BR" noProof="0" dirty="0"/>
+              <a:t>Podemos deletar através do atalho </a:t>
+            </a:r>
+            <a:r>
+              <a:rPr lang="pt-BR" noProof="0" dirty="0">
+                <a:solidFill>
+                  <a:schemeClr val="accent1">
+                    <a:lumMod val="60000"/>
+                    <a:lumOff val="40000"/>
+                  </a:schemeClr>
+                </a:solidFill>
+              </a:rPr>
+              <a:t>delete</a:t>
+            </a:r>
           </a:p>
         </p:txBody>
       </p:sp>
     </p:spTree>
     <p:extLst>
       <p:ext uri="{BB962C8B-B14F-4D97-AF65-F5344CB8AC3E}">
-        <p14:creationId xmlns:p14="http://schemas.microsoft.com/office/powerpoint/2010/main" val="1479500064"/>
+        <p14:creationId xmlns:p14="http://schemas.microsoft.com/office/powerpoint/2010/main" val="1781595577"/>
       </p:ext>
     </p:extLst>
   </p:cSld>
@@ -6195,7 +6178,7 @@
         <p:cNvPr id="1" name="">
           <a:extLst>
             <a:ext uri="{FF2B5EF4-FFF2-40B4-BE49-F238E27FC236}">
-              <a16:creationId xmlns:a16="http://schemas.microsoft.com/office/drawing/2014/main" id="{090D1EC5-EB78-5E2E-71B8-0A3C15529739}"/>
+              <a16:creationId xmlns:a16="http://schemas.microsoft.com/office/drawing/2014/main" id="{6FA5D797-1A3A-41B6-EF5D-BF93A4B62CC2}"/>
             </a:ext>
           </a:extLst>
         </p:cNvPr>
@@ -6215,7 +6198,7 @@
           <p:cNvPr id="13" name="Título 12">
             <a:extLst>
               <a:ext uri="{FF2B5EF4-FFF2-40B4-BE49-F238E27FC236}">
-                <a16:creationId xmlns:a16="http://schemas.microsoft.com/office/drawing/2014/main" id="{2495F80D-036C-86EC-D1C7-9F6DECA4584D}"/>
+                <a16:creationId xmlns:a16="http://schemas.microsoft.com/office/drawing/2014/main" id="{AD0086E0-ABE3-F924-D219-587EE997F543}"/>
               </a:ext>
             </a:extLst>
           </p:cNvPr>
@@ -6234,7 +6217,7 @@
             <a:pPr rtl="0"/>
             <a:r>
               <a:rPr lang="pt-BR" noProof="0" dirty="0"/>
-              <a:t>Explorador de Arquivos</a:t>
+              <a:t>Lixeira</a:t>
             </a:r>
           </a:p>
         </p:txBody>
@@ -6244,7 +6227,7 @@
           <p:cNvPr id="14" name="Espaço Reservado para Conteúdo 13">
             <a:extLst>
               <a:ext uri="{FF2B5EF4-FFF2-40B4-BE49-F238E27FC236}">
-                <a16:creationId xmlns:a16="http://schemas.microsoft.com/office/drawing/2014/main" id="{7623DD14-D666-8C55-C543-34768065B883}"/>
+                <a16:creationId xmlns:a16="http://schemas.microsoft.com/office/drawing/2014/main" id="{EDDE4A0F-CB5D-7ED9-86A4-69DE94BB8C89}"/>
               </a:ext>
             </a:extLst>
           </p:cNvPr>
@@ -6262,13 +6245,17 @@
           <a:p>
             <a:r>
               <a:rPr lang="pt-BR" dirty="0"/>
-              <a:t>Serve para navegar entre pastas/arquivos no seu sistema</a:t>
-            </a:r>
-          </a:p>
-          <a:p>
+              <a:t>Serve para armazenar arquivos que foram excluídos do sistema, como por exemplo a pasta que acabamos de excluir</a:t>
+            </a:r>
+          </a:p>
+          <a:p>
+            <a:r>
+              <a:rPr lang="pt-BR" noProof="0" dirty="0"/>
+              <a:t>Podemos realizar a deleção total ou então restaurar o arquivo para </a:t>
+            </a:r>
             <a:r>
               <a:rPr lang="pt-BR" dirty="0"/>
-              <a:t>Também é responsável pelo gerenciamento</a:t>
+              <a:t>a sua origem</a:t>
             </a:r>
             <a:endParaRPr lang="pt-BR" noProof="0" dirty="0"/>
           </a:p>
@@ -6277,7 +6264,7 @@
     </p:spTree>
     <p:extLst>
       <p:ext uri="{BB962C8B-B14F-4D97-AF65-F5344CB8AC3E}">
-        <p14:creationId xmlns:p14="http://schemas.microsoft.com/office/powerpoint/2010/main" val="3152400385"/>
+        <p14:creationId xmlns:p14="http://schemas.microsoft.com/office/powerpoint/2010/main" val="1479500064"/>
       </p:ext>
     </p:extLst>
   </p:cSld>
@@ -6307,7 +6294,7 @@
         <p:cNvPr id="1" name="">
           <a:extLst>
             <a:ext uri="{FF2B5EF4-FFF2-40B4-BE49-F238E27FC236}">
-              <a16:creationId xmlns:a16="http://schemas.microsoft.com/office/drawing/2014/main" id="{38D01EE1-1E7B-D96A-DB9F-1B2EC15C18EC}"/>
+              <a16:creationId xmlns:a16="http://schemas.microsoft.com/office/drawing/2014/main" id="{090D1EC5-EB78-5E2E-71B8-0A3C15529739}"/>
             </a:ext>
           </a:extLst>
         </p:cNvPr>
@@ -6327,7 +6314,7 @@
           <p:cNvPr id="13" name="Título 12">
             <a:extLst>
               <a:ext uri="{FF2B5EF4-FFF2-40B4-BE49-F238E27FC236}">
-                <a16:creationId xmlns:a16="http://schemas.microsoft.com/office/drawing/2014/main" id="{0E448DB3-9D13-CF0F-2098-A9415B41DA59}"/>
+                <a16:creationId xmlns:a16="http://schemas.microsoft.com/office/drawing/2014/main" id="{2495F80D-036C-86EC-D1C7-9F6DECA4584D}"/>
               </a:ext>
             </a:extLst>
           </p:cNvPr>
@@ -6356,7 +6343,7 @@
           <p:cNvPr id="14" name="Espaço Reservado para Conteúdo 13">
             <a:extLst>
               <a:ext uri="{FF2B5EF4-FFF2-40B4-BE49-F238E27FC236}">
-                <a16:creationId xmlns:a16="http://schemas.microsoft.com/office/drawing/2014/main" id="{F18B503E-093A-8030-D270-3025D52F548E}"/>
+                <a16:creationId xmlns:a16="http://schemas.microsoft.com/office/drawing/2014/main" id="{7623DD14-D666-8C55-C543-34768065B883}"/>
               </a:ext>
             </a:extLst>
           </p:cNvPr>
@@ -6389,7 +6376,7 @@
     </p:spTree>
     <p:extLst>
       <p:ext uri="{BB962C8B-B14F-4D97-AF65-F5344CB8AC3E}">
-        <p14:creationId xmlns:p14="http://schemas.microsoft.com/office/powerpoint/2010/main" val="3310621923"/>
+        <p14:creationId xmlns:p14="http://schemas.microsoft.com/office/powerpoint/2010/main" val="3152400385"/>
       </p:ext>
     </p:extLst>
   </p:cSld>
@@ -6518,7 +6505,7 @@
         <p:cNvPr id="1" name="">
           <a:extLst>
             <a:ext uri="{FF2B5EF4-FFF2-40B4-BE49-F238E27FC236}">
-              <a16:creationId xmlns:a16="http://schemas.microsoft.com/office/drawing/2014/main" id="{788CF58C-94E2-7661-605F-A44629721333}"/>
+              <a16:creationId xmlns:a16="http://schemas.microsoft.com/office/drawing/2014/main" id="{5EA5F88C-8CE6-6F3D-F064-C2DF9CF0DFA9}"/>
             </a:ext>
           </a:extLst>
         </p:cNvPr>
@@ -6535,10 +6522,10 @@
       </p:grpSpPr>
       <p:sp>
         <p:nvSpPr>
-          <p:cNvPr id="2" name="Título 1">
+          <p:cNvPr id="13" name="Título 12">
             <a:extLst>
               <a:ext uri="{FF2B5EF4-FFF2-40B4-BE49-F238E27FC236}">
-                <a16:creationId xmlns:a16="http://schemas.microsoft.com/office/drawing/2014/main" id="{912CE8E0-8D89-6017-F39C-4E436D5A8988}"/>
+                <a16:creationId xmlns:a16="http://schemas.microsoft.com/office/drawing/2014/main" id="{BCFB2172-A925-3F96-8A0C-971DDE1DF2EA}"/>
               </a:ext>
             </a:extLst>
           </p:cNvPr>
@@ -6551,22 +6538,23 @@
         </p:nvSpPr>
         <p:spPr/>
         <p:txBody>
-          <a:bodyPr/>
+          <a:bodyPr rtlCol="0"/>
           <a:lstStyle/>
           <a:p>
-            <a:r>
-              <a:rPr lang="pt-BR" dirty="0"/>
-              <a:t>Bora fazer uns exercícios?</a:t>
-            </a:r>
-          </a:p>
-        </p:txBody>
-      </p:sp>
-      <p:sp>
-        <p:nvSpPr>
-          <p:cNvPr id="4" name="Espaço Reservado para Conteúdo 3">
+            <a:pPr rtl="0"/>
+            <a:r>
+              <a:rPr lang="pt-BR" noProof="0" dirty="0"/>
+              <a:t>Bora fazer Alguns Exercícios?</a:t>
+            </a:r>
+          </a:p>
+        </p:txBody>
+      </p:sp>
+      <p:sp>
+        <p:nvSpPr>
+          <p:cNvPr id="14" name="Espaço Reservado para Conteúdo 13">
             <a:extLst>
               <a:ext uri="{FF2B5EF4-FFF2-40B4-BE49-F238E27FC236}">
-                <a16:creationId xmlns:a16="http://schemas.microsoft.com/office/drawing/2014/main" id="{9E41B984-1AE0-989D-D756-2FFAB6782376}"/>
+                <a16:creationId xmlns:a16="http://schemas.microsoft.com/office/drawing/2014/main" id="{EB3B7700-4610-813D-221A-EEF98D9FF364}"/>
               </a:ext>
             </a:extLst>
           </p:cNvPr>
@@ -6579,22 +6567,40 @@
         </p:nvSpPr>
         <p:spPr/>
         <p:txBody>
-          <a:bodyPr/>
+          <a:bodyPr rtlCol="0"/>
           <a:lstStyle/>
           <a:p>
             <a:r>
               <a:rPr lang="pt-BR" dirty="0"/>
-              <a:t>Fazer exercício 1: </a:t>
-            </a:r>
-          </a:p>
-        </p:txBody>
-      </p:sp>
-      <p:sp>
-        <p:nvSpPr>
-          <p:cNvPr id="7" name="CaixaDeTexto 6">
+              <a:t>Exercício 1 – Organizar Arquivos e Pastas</a:t>
+            </a:r>
+          </a:p>
+          <a:p>
+            <a:r>
+              <a:rPr lang="pt-BR" noProof="0" dirty="0"/>
+              <a:t>Exercício 2 – Mover Arquivos e Pastas para o Lugar Correto</a:t>
+            </a:r>
+          </a:p>
+          <a:p>
+            <a:r>
+              <a:rPr lang="pt-BR" dirty="0"/>
+              <a:t>Exercício 3 – Criar os Arquivos Faltantes</a:t>
+            </a:r>
+          </a:p>
+          <a:p>
+            <a:r>
+              <a:rPr lang="pt-BR" noProof="0" dirty="0"/>
+              <a:t>Exercício 4 – Deletar os Arquivos Duplicados</a:t>
+            </a:r>
+          </a:p>
+        </p:txBody>
+      </p:sp>
+      <p:sp>
+        <p:nvSpPr>
+          <p:cNvPr id="3" name="CaixaDeTexto 2">
             <a:extLst>
               <a:ext uri="{FF2B5EF4-FFF2-40B4-BE49-F238E27FC236}">
-                <a16:creationId xmlns:a16="http://schemas.microsoft.com/office/drawing/2014/main" id="{7D8A08C6-D483-69C0-F249-885FD01883A0}"/>
+                <a16:creationId xmlns:a16="http://schemas.microsoft.com/office/drawing/2014/main" id="{55B17C15-C141-A3F6-A512-738E939E8428}"/>
               </a:ext>
             </a:extLst>
           </p:cNvPr>
@@ -6603,8 +6609,8 @@
         </p:nvSpPr>
         <p:spPr>
           <a:xfrm>
-            <a:off x="2777369" y="3356992"/>
-            <a:ext cx="7243528" cy="461665"/>
+            <a:off x="2689696" y="4694538"/>
+            <a:ext cx="6809431" cy="461665"/>
           </a:xfrm>
           <a:prstGeom prst="rect">
             <a:avLst/>
@@ -6627,7 +6633,7 @@
     </p:spTree>
     <p:extLst>
       <p:ext uri="{BB962C8B-B14F-4D97-AF65-F5344CB8AC3E}">
-        <p14:creationId xmlns:p14="http://schemas.microsoft.com/office/powerpoint/2010/main" val="2813989966"/>
+        <p14:creationId xmlns:p14="http://schemas.microsoft.com/office/powerpoint/2010/main" val="3471426987"/>
       </p:ext>
     </p:extLst>
   </p:cSld>
@@ -6796,6 +6802,22 @@
               <a:rPr lang="pt-BR" noProof="0" dirty="0"/>
               <a:t>)</a:t>
             </a:r>
+          </a:p>
+          <a:p>
+            <a:pPr lvl="1"/>
+            <a:r>
+              <a:rPr lang="pt-BR" dirty="0"/>
+              <a:t>Fechar </a:t>
+            </a:r>
+            <a:r>
+              <a:rPr lang="pt-BR" dirty="0" err="1"/>
+              <a:t>Rapiamente</a:t>
+            </a:r>
+            <a:r>
+              <a:rPr lang="pt-BR" dirty="0"/>
+              <a:t> (Alt + F4)</a:t>
+            </a:r>
+            <a:endParaRPr lang="pt-BR" noProof="0" dirty="0"/>
           </a:p>
         </p:txBody>
       </p:sp>
@@ -7548,6 +7570,123 @@
 </file>
 
 <file path=ppt/slides/slide6.xml><?xml version="1.0" encoding="utf-8"?>
+<p:sld xmlns:a="http://schemas.openxmlformats.org/drawingml/2006/main" xmlns:r="http://schemas.openxmlformats.org/officeDocument/2006/relationships" xmlns:p="http://schemas.openxmlformats.org/presentationml/2006/main">
+  <p:cSld>
+    <p:spTree>
+      <p:nvGrpSpPr>
+        <p:cNvPr id="1" name="">
+          <a:extLst>
+            <a:ext uri="{FF2B5EF4-FFF2-40B4-BE49-F238E27FC236}">
+              <a16:creationId xmlns:a16="http://schemas.microsoft.com/office/drawing/2014/main" id="{73693AC7-20F4-4502-99B9-D35B1D5D5FFF}"/>
+            </a:ext>
+          </a:extLst>
+        </p:cNvPr>
+        <p:cNvGrpSpPr/>
+        <p:nvPr/>
+      </p:nvGrpSpPr>
+      <p:grpSpPr>
+        <a:xfrm>
+          <a:off x="0" y="0"/>
+          <a:ext cx="0" cy="0"/>
+          <a:chOff x="0" y="0"/>
+          <a:chExt cx="0" cy="0"/>
+        </a:xfrm>
+      </p:grpSpPr>
+      <p:sp>
+        <p:nvSpPr>
+          <p:cNvPr id="13" name="Título 12">
+            <a:extLst>
+              <a:ext uri="{FF2B5EF4-FFF2-40B4-BE49-F238E27FC236}">
+                <a16:creationId xmlns:a16="http://schemas.microsoft.com/office/drawing/2014/main" id="{D481DB78-649B-B6E6-6F4B-3556F48E0DCD}"/>
+              </a:ext>
+            </a:extLst>
+          </p:cNvPr>
+          <p:cNvSpPr>
+            <a:spLocks noGrp="1"/>
+          </p:cNvSpPr>
+          <p:nvPr>
+            <p:ph type="title"/>
+          </p:nvPr>
+        </p:nvSpPr>
+        <p:spPr/>
+        <p:txBody>
+          <a:bodyPr rtlCol="0"/>
+          <a:lstStyle/>
+          <a:p>
+            <a:pPr rtl="0"/>
+            <a:r>
+              <a:rPr lang="pt-BR" noProof="0" dirty="0"/>
+              <a:t>Alguns Atalhos para Arquivos</a:t>
+            </a:r>
+          </a:p>
+        </p:txBody>
+      </p:sp>
+      <p:sp>
+        <p:nvSpPr>
+          <p:cNvPr id="14" name="Espaço Reservado para Conteúdo 13">
+            <a:extLst>
+              <a:ext uri="{FF2B5EF4-FFF2-40B4-BE49-F238E27FC236}">
+                <a16:creationId xmlns:a16="http://schemas.microsoft.com/office/drawing/2014/main" id="{A5BB331F-DC74-A0B4-CC54-D1124F26D5FB}"/>
+              </a:ext>
+            </a:extLst>
+          </p:cNvPr>
+          <p:cNvSpPr>
+            <a:spLocks noGrp="1"/>
+          </p:cNvSpPr>
+          <p:nvPr>
+            <p:ph idx="1"/>
+          </p:nvPr>
+        </p:nvSpPr>
+        <p:spPr/>
+        <p:txBody>
+          <a:bodyPr rtlCol="0"/>
+          <a:lstStyle/>
+          <a:p>
+            <a:r>
+              <a:rPr lang="pt-BR" noProof="0" dirty="0"/>
+              <a:t>Ctrl + C – Copiar</a:t>
+            </a:r>
+          </a:p>
+          <a:p>
+            <a:r>
+              <a:rPr lang="pt-BR" dirty="0"/>
+              <a:t>Ctrl + V – Colar</a:t>
+            </a:r>
+          </a:p>
+          <a:p>
+            <a:r>
+              <a:rPr lang="pt-BR" noProof="0" dirty="0"/>
+              <a:t>Ctrl + X - Recortar</a:t>
+            </a:r>
+          </a:p>
+        </p:txBody>
+      </p:sp>
+    </p:spTree>
+    <p:extLst>
+      <p:ext uri="{BB962C8B-B14F-4D97-AF65-F5344CB8AC3E}">
+        <p14:creationId xmlns:p14="http://schemas.microsoft.com/office/powerpoint/2010/main" val="2494634454"/>
+      </p:ext>
+    </p:extLst>
+  </p:cSld>
+  <p:clrMapOvr>
+    <a:masterClrMapping/>
+  </p:clrMapOvr>
+  <mc:AlternateContent xmlns:mc="http://schemas.openxmlformats.org/markup-compatibility/2006" xmlns:p14="http://schemas.microsoft.com/office/powerpoint/2010/main">
+    <mc:Choice Requires="p14">
+      <p:transition spd="med" p14:dur="700">
+        <p:fade/>
+      </p:transition>
+    </mc:Choice>
+    <mc:Fallback xmlns="">
+      <p:transition spd="med">
+        <p:fade/>
+      </p:transition>
+    </mc:Fallback>
+  </mc:AlternateContent>
+</p:sld>
+</file>
+
+<file path=ppt/slides/slide7.xml><?xml version="1.0" encoding="utf-8"?>
 <p:sld xmlns:a="http://schemas.openxmlformats.org/drawingml/2006/main" xmlns:r="http://schemas.openxmlformats.org/officeDocument/2006/relationships" xmlns:p="http://schemas.openxmlformats.org/presentationml/2006/main">
   <p:cSld>
     <p:spTree>
@@ -7682,7 +7821,7 @@
 </p:sld>
 </file>
 
-<file path=ppt/slides/slide7.xml><?xml version="1.0" encoding="utf-8"?>
+<file path=ppt/slides/slide8.xml><?xml version="1.0" encoding="utf-8"?>
 <p:sld xmlns:a="http://schemas.openxmlformats.org/drawingml/2006/main" xmlns:r="http://schemas.openxmlformats.org/officeDocument/2006/relationships" xmlns:p="http://schemas.openxmlformats.org/presentationml/2006/main">
   <p:cSld>
     <p:spTree>
@@ -7817,7 +7956,7 @@
 </p:sld>
 </file>
 
-<file path=ppt/slides/slide8.xml><?xml version="1.0" encoding="utf-8"?>
+<file path=ppt/slides/slide9.xml><?xml version="1.0" encoding="utf-8"?>
 <p:sld xmlns:a="http://schemas.openxmlformats.org/drawingml/2006/main" xmlns:r="http://schemas.openxmlformats.org/officeDocument/2006/relationships" xmlns:p="http://schemas.openxmlformats.org/presentationml/2006/main">
   <p:cSld>
     <p:spTree>
@@ -7998,105 +8137,6 @@
     <p:extLst>
       <p:ext uri="{BB962C8B-B14F-4D97-AF65-F5344CB8AC3E}">
         <p14:creationId xmlns:p14="http://schemas.microsoft.com/office/powerpoint/2010/main" val="380605773"/>
-      </p:ext>
-    </p:extLst>
-  </p:cSld>
-  <p:clrMapOvr>
-    <a:masterClrMapping/>
-  </p:clrMapOvr>
-  <mc:AlternateContent xmlns:mc="http://schemas.openxmlformats.org/markup-compatibility/2006" xmlns:p14="http://schemas.microsoft.com/office/powerpoint/2010/main">
-    <mc:Choice Requires="p14">
-      <p:transition spd="med" p14:dur="700">
-        <p:fade/>
-      </p:transition>
-    </mc:Choice>
-    <mc:Fallback xmlns="">
-      <p:transition spd="med">
-        <p:fade/>
-      </p:transition>
-    </mc:Fallback>
-  </mc:AlternateContent>
-</p:sld>
-</file>
-
-<file path=ppt/slides/slide9.xml><?xml version="1.0" encoding="utf-8"?>
-<p:sld xmlns:a="http://schemas.openxmlformats.org/drawingml/2006/main" xmlns:r="http://schemas.openxmlformats.org/officeDocument/2006/relationships" xmlns:p="http://schemas.openxmlformats.org/presentationml/2006/main">
-  <p:cSld>
-    <p:spTree>
-      <p:nvGrpSpPr>
-        <p:cNvPr id="1" name=""/>
-        <p:cNvGrpSpPr/>
-        <p:nvPr/>
-      </p:nvGrpSpPr>
-      <p:grpSpPr>
-        <a:xfrm>
-          <a:off x="0" y="0"/>
-          <a:ext cx="0" cy="0"/>
-          <a:chOff x="0" y="0"/>
-          <a:chExt cx="0" cy="0"/>
-        </a:xfrm>
-      </p:grpSpPr>
-      <p:sp>
-        <p:nvSpPr>
-          <p:cNvPr id="2" name="Título 1">
-            <a:extLst>
-              <a:ext uri="{FF2B5EF4-FFF2-40B4-BE49-F238E27FC236}">
-                <a16:creationId xmlns:a16="http://schemas.microsoft.com/office/drawing/2014/main" id="{DC13B6E4-3856-28B7-40ED-D8BDDDD847C9}"/>
-              </a:ext>
-            </a:extLst>
-          </p:cNvPr>
-          <p:cNvSpPr>
-            <a:spLocks noGrp="1"/>
-          </p:cNvSpPr>
-          <p:nvPr>
-            <p:ph type="title"/>
-          </p:nvPr>
-        </p:nvSpPr>
-        <p:spPr/>
-        <p:txBody>
-          <a:bodyPr/>
-          <a:lstStyle/>
-          <a:p>
-            <a:endParaRPr lang="pt-BR"/>
-          </a:p>
-        </p:txBody>
-      </p:sp>
-      <p:pic>
-        <p:nvPicPr>
-          <p:cNvPr id="5" name="Espaço Reservado para Conteúdo 4">
-            <a:extLst>
-              <a:ext uri="{FF2B5EF4-FFF2-40B4-BE49-F238E27FC236}">
-                <a16:creationId xmlns:a16="http://schemas.microsoft.com/office/drawing/2014/main" id="{6BC52AFE-B47B-CE5A-0270-BCFC1BD5D36C}"/>
-              </a:ext>
-            </a:extLst>
-          </p:cNvPr>
-          <p:cNvPicPr>
-            <a:picLocks noGrp="1" noChangeAspect="1"/>
-          </p:cNvPicPr>
-          <p:nvPr>
-            <p:ph idx="1"/>
-          </p:nvPr>
-        </p:nvPicPr>
-        <p:blipFill>
-          <a:blip r:embed="rId2"/>
-          <a:stretch>
-            <a:fillRect/>
-          </a:stretch>
-        </p:blipFill>
-        <p:spPr>
-          <a:xfrm>
-            <a:off x="0" y="-57394"/>
-            <a:ext cx="12188825" cy="6915394"/>
-          </a:xfrm>
-          <a:prstGeom prst="rect">
-            <a:avLst/>
-          </a:prstGeom>
-        </p:spPr>
-      </p:pic>
-    </p:spTree>
-    <p:extLst>
-      <p:ext uri="{BB962C8B-B14F-4D97-AF65-F5344CB8AC3E}">
-        <p14:creationId xmlns:p14="http://schemas.microsoft.com/office/powerpoint/2010/main" val="3356035828"/>
       </p:ext>
     </p:extLst>
   </p:cSld>
